--- a/figures_tables/figure5_summary/figure5.pptx
+++ b/figures_tables/figure5_summary/figure5.pptx
@@ -104,7 +104,49 @@
       </a:defRPr>
     </a:lvl9pPr>
   </p:defaultTextStyle>
+  <p:extLst>
+    <p:ext uri="{EFAFB233-063F-42B5-8137-9DF3F51BA10A}">
+      <p15:sldGuideLst xmlns:p15="http://schemas.microsoft.com/office/powerpoint/2012/main"/>
+    </p:ext>
+  </p:extLst>
 </p:presentation>
+</file>
+
+<file path=ppt/revisionInfo.xml><?xml version="1.0" encoding="utf-8"?>
+<p1510:revInfo xmlns:a="http://schemas.openxmlformats.org/drawingml/2006/main" xmlns:r="http://schemas.openxmlformats.org/officeDocument/2006/relationships" xmlns:p1510="http://schemas.microsoft.com/office/powerpoint/2015/10/main">
+  <p1510:revLst>
+    <p1510:client id="{86101418-E8B6-2E4C-99C0-13CCD06276E0}" v="1" dt="2024-07-16T11:34:51.955"/>
+  </p1510:revLst>
+</p1510:revInfo>
+</file>
+
+<file path=ppt/changesInfos/changesInfo1.xml><?xml version="1.0" encoding="utf-8"?>
+<pc:chgInfo xmlns:a="http://schemas.openxmlformats.org/drawingml/2006/main" xmlns:r="http://schemas.openxmlformats.org/officeDocument/2006/relationships" xmlns:ac="http://schemas.microsoft.com/office/drawing/2013/main/command" xmlns:pc="http://schemas.microsoft.com/office/powerpoint/2013/main/command">
+  <pc:docChgLst>
+    <pc:chgData name="Klara Marie Anker" userId="4d859823-be05-4e22-aa17-685d04289e74" providerId="ADAL" clId="{86101418-E8B6-2E4C-99C0-13CCD06276E0}"/>
+    <pc:docChg chg="modSld">
+      <pc:chgData name="Klara Marie Anker" userId="4d859823-be05-4e22-aa17-685d04289e74" providerId="ADAL" clId="{86101418-E8B6-2E4C-99C0-13CCD06276E0}" dt="2024-07-16T11:34:51.954" v="0" actId="14826"/>
+      <pc:docMkLst>
+        <pc:docMk/>
+      </pc:docMkLst>
+      <pc:sldChg chg="modSp">
+        <pc:chgData name="Klara Marie Anker" userId="4d859823-be05-4e22-aa17-685d04289e74" providerId="ADAL" clId="{86101418-E8B6-2E4C-99C0-13CCD06276E0}" dt="2024-07-16T11:34:51.954" v="0" actId="14826"/>
+        <pc:sldMkLst>
+          <pc:docMk/>
+          <pc:sldMk cId="544303299" sldId="256"/>
+        </pc:sldMkLst>
+        <pc:picChg chg="mod">
+          <ac:chgData name="Klara Marie Anker" userId="4d859823-be05-4e22-aa17-685d04289e74" providerId="ADAL" clId="{86101418-E8B6-2E4C-99C0-13CCD06276E0}" dt="2024-07-16T11:34:51.954" v="0" actId="14826"/>
+          <ac:picMkLst>
+            <pc:docMk/>
+            <pc:sldMk cId="544303299" sldId="256"/>
+            <ac:picMk id="5" creationId="{7F6A2EC7-4A68-4936-8E29-5D23BFC81F88}"/>
+          </ac:picMkLst>
+        </pc:picChg>
+      </pc:sldChg>
+    </pc:docChg>
+  </pc:docChgLst>
+</pc:chgInfo>
 </file>
 
 <file path=ppt/slideLayouts/slideLayout1.xml><?xml version="1.0" encoding="utf-8"?>
@@ -238,7 +280,7 @@
           <a:p>
             <a:fld id="{9D13624B-1A51-2844-A206-67CD362B028E}" type="datetimeFigureOut">
               <a:rPr lang="da-DK" smtClean="0"/>
-              <a:t>01.07.2024</a:t>
+              <a:t>24.10.2024</a:t>
             </a:fld>
             <a:endParaRPr lang="da-DK"/>
           </a:p>
@@ -408,7 +450,7 @@
           <a:p>
             <a:fld id="{9D13624B-1A51-2844-A206-67CD362B028E}" type="datetimeFigureOut">
               <a:rPr lang="da-DK" smtClean="0"/>
-              <a:t>01.07.2024</a:t>
+              <a:t>24.10.2024</a:t>
             </a:fld>
             <a:endParaRPr lang="da-DK"/>
           </a:p>
@@ -588,7 +630,7 @@
           <a:p>
             <a:fld id="{9D13624B-1A51-2844-A206-67CD362B028E}" type="datetimeFigureOut">
               <a:rPr lang="da-DK" smtClean="0"/>
-              <a:t>01.07.2024</a:t>
+              <a:t>24.10.2024</a:t>
             </a:fld>
             <a:endParaRPr lang="da-DK"/>
           </a:p>
@@ -758,7 +800,7 @@
           <a:p>
             <a:fld id="{9D13624B-1A51-2844-A206-67CD362B028E}" type="datetimeFigureOut">
               <a:rPr lang="da-DK" smtClean="0"/>
-              <a:t>01.07.2024</a:t>
+              <a:t>24.10.2024</a:t>
             </a:fld>
             <a:endParaRPr lang="da-DK"/>
           </a:p>
@@ -1004,7 +1046,7 @@
           <a:p>
             <a:fld id="{9D13624B-1A51-2844-A206-67CD362B028E}" type="datetimeFigureOut">
               <a:rPr lang="da-DK" smtClean="0"/>
-              <a:t>01.07.2024</a:t>
+              <a:t>24.10.2024</a:t>
             </a:fld>
             <a:endParaRPr lang="da-DK"/>
           </a:p>
@@ -1236,7 +1278,7 @@
           <a:p>
             <a:fld id="{9D13624B-1A51-2844-A206-67CD362B028E}" type="datetimeFigureOut">
               <a:rPr lang="da-DK" smtClean="0"/>
-              <a:t>01.07.2024</a:t>
+              <a:t>24.10.2024</a:t>
             </a:fld>
             <a:endParaRPr lang="da-DK"/>
           </a:p>
@@ -1603,7 +1645,7 @@
           <a:p>
             <a:fld id="{9D13624B-1A51-2844-A206-67CD362B028E}" type="datetimeFigureOut">
               <a:rPr lang="da-DK" smtClean="0"/>
-              <a:t>01.07.2024</a:t>
+              <a:t>24.10.2024</a:t>
             </a:fld>
             <a:endParaRPr lang="da-DK"/>
           </a:p>
@@ -1721,7 +1763,7 @@
           <a:p>
             <a:fld id="{9D13624B-1A51-2844-A206-67CD362B028E}" type="datetimeFigureOut">
               <a:rPr lang="da-DK" smtClean="0"/>
-              <a:t>01.07.2024</a:t>
+              <a:t>24.10.2024</a:t>
             </a:fld>
             <a:endParaRPr lang="da-DK"/>
           </a:p>
@@ -1816,7 +1858,7 @@
           <a:p>
             <a:fld id="{9D13624B-1A51-2844-A206-67CD362B028E}" type="datetimeFigureOut">
               <a:rPr lang="da-DK" smtClean="0"/>
-              <a:t>01.07.2024</a:t>
+              <a:t>24.10.2024</a:t>
             </a:fld>
             <a:endParaRPr lang="da-DK"/>
           </a:p>
@@ -2093,7 +2135,7 @@
           <a:p>
             <a:fld id="{9D13624B-1A51-2844-A206-67CD362B028E}" type="datetimeFigureOut">
               <a:rPr lang="da-DK" smtClean="0"/>
-              <a:t>01.07.2024</a:t>
+              <a:t>24.10.2024</a:t>
             </a:fld>
             <a:endParaRPr lang="da-DK"/>
           </a:p>
@@ -2350,7 +2392,7 @@
           <a:p>
             <a:fld id="{9D13624B-1A51-2844-A206-67CD362B028E}" type="datetimeFigureOut">
               <a:rPr lang="da-DK" smtClean="0"/>
-              <a:t>01.07.2024</a:t>
+              <a:t>24.10.2024</a:t>
             </a:fld>
             <a:endParaRPr lang="da-DK"/>
           </a:p>
@@ -2563,7 +2605,7 @@
           <a:p>
             <a:fld id="{9D13624B-1A51-2844-A206-67CD362B028E}" type="datetimeFigureOut">
               <a:rPr lang="da-DK" smtClean="0"/>
-              <a:t>01.07.2024</a:t>
+              <a:t>24.10.2024</a:t>
             </a:fld>
             <a:endParaRPr lang="da-DK"/>
           </a:p>
